--- a/MiniProjetComplet/Rapport/Presentation c#.pptx
+++ b/MiniProjetComplet/Rapport/Presentation c#.pptx
@@ -4472,7 +4472,9 @@
         </p:nvSpPr>
         <p:spPr/>
         <p:txBody>
-          <a:bodyPr/>
+          <a:bodyPr>
+            <a:normAutofit fontScale="92500" lnSpcReduction="10000"/>
+          </a:bodyPr>
           <a:lstStyle/>
           <a:p>
             <a:r>
@@ -4485,6 +4487,13 @@
             <a:r>
               <a:rPr lang="fr-FR" dirty="0" smtClean="0"/>
               <a:t>Génération de miniatures</a:t>
+            </a:r>
+          </a:p>
+          <a:p>
+            <a:pPr lvl="1"/>
+            <a:r>
+              <a:rPr lang="fr-FR" dirty="0" smtClean="0"/>
+              <a:t>Gestion des comptes utilisateur en ASPX</a:t>
             </a:r>
           </a:p>
           <a:p>
@@ -4496,6 +4505,54 @@
               <a:rPr lang="fr-FR" dirty="0" smtClean="0"/>
               <a:t>Ce qu’il reste à faire</a:t>
             </a:r>
+          </a:p>
+          <a:p>
+            <a:pPr lvl="1"/>
+            <a:r>
+              <a:rPr lang="fr-FR" dirty="0" smtClean="0"/>
+              <a:t>Le </a:t>
+            </a:r>
+            <a:r>
+              <a:rPr lang="fr-FR" dirty="0" err="1" smtClean="0"/>
+              <a:t>css</a:t>
+            </a:r>
+            <a:r>
+              <a:rPr lang="fr-FR" dirty="0" smtClean="0"/>
+              <a:t> du client web.</a:t>
+            </a:r>
+          </a:p>
+          <a:p>
+            <a:pPr lvl="1"/>
+            <a:r>
+              <a:rPr lang="fr-FR" dirty="0" smtClean="0"/>
+              <a:t>Ajouter des fonctionnalités au client web</a:t>
+            </a:r>
+          </a:p>
+          <a:p>
+            <a:pPr lvl="1"/>
+            <a:endParaRPr lang="fr-FR" dirty="0" smtClean="0"/>
+          </a:p>
+          <a:p>
+            <a:r>
+              <a:rPr lang="fr-FR" dirty="0" smtClean="0"/>
+              <a:t>Installation</a:t>
+            </a:r>
+          </a:p>
+          <a:p>
+            <a:pPr lvl="1"/>
+            <a:r>
+              <a:rPr lang="fr-FR" dirty="0" smtClean="0"/>
+              <a:t>Modifier le nom de la base dans la classe </a:t>
+            </a:r>
+            <a:r>
+              <a:rPr lang="fr-FR" dirty="0" err="1" smtClean="0"/>
+              <a:t>DataBase</a:t>
+            </a:r>
+            <a:r>
+              <a:rPr lang="fr-FR" dirty="0" smtClean="0"/>
+              <a:t>.</a:t>
+            </a:r>
+            <a:endParaRPr lang="fr-FR" dirty="0" smtClean="0"/>
           </a:p>
           <a:p>
             <a:pPr lvl="1"/>
@@ -4508,6 +4565,13 @@
   <p:clrMapOvr>
     <a:masterClrMapping/>
   </p:clrMapOvr>
+  <p:timing>
+    <p:tnLst>
+      <p:par>
+        <p:cTn id="1" dur="indefinite" restart="never" nodeType="tmRoot"/>
+      </p:par>
+    </p:tnLst>
+  </p:timing>
 </p:sld>
 </file>
 
@@ -4553,7 +4617,7 @@
       </p:sp>
       <p:sp>
         <p:nvSpPr>
-          <p:cNvPr id="3" name="Espace réservé du contenu 2"/>
+          <p:cNvPr id="5" name="Espace réservé du contenu 4"/>
           <p:cNvSpPr>
             <a:spLocks noGrp="1"/>
           </p:cNvSpPr>
@@ -4561,15 +4625,85 @@
             <p:ph idx="1"/>
           </p:nvPr>
         </p:nvSpPr>
-        <p:spPr/>
+        <p:spPr>
+          <a:xfrm>
+            <a:off x="457200" y="1775191"/>
+            <a:ext cx="3466728" cy="4625609"/>
+          </a:xfrm>
+        </p:spPr>
         <p:txBody>
           <a:bodyPr/>
           <a:lstStyle/>
           <a:p>
-            <a:endParaRPr lang="fr-FR" dirty="0"/>
-          </a:p>
-        </p:txBody>
-      </p:sp>
+            <a:r>
+              <a:rPr lang="fr-FR" dirty="0" smtClean="0"/>
+              <a:t>Architecture </a:t>
+            </a:r>
+          </a:p>
+          <a:p>
+            <a:pPr lvl="1"/>
+            <a:r>
+              <a:rPr lang="fr-FR" dirty="0" smtClean="0"/>
+              <a:t>3-tiers</a:t>
+            </a:r>
+            <a:endParaRPr lang="fr-FR" dirty="0" smtClean="0"/>
+          </a:p>
+          <a:p>
+            <a:r>
+              <a:rPr lang="fr-FR" dirty="0" smtClean="0"/>
+              <a:t>Base de données</a:t>
+            </a:r>
+          </a:p>
+          <a:p>
+            <a:r>
+              <a:rPr lang="fr-FR" dirty="0" smtClean="0"/>
+              <a:t>Service métier</a:t>
+            </a:r>
+          </a:p>
+          <a:p>
+            <a:r>
+              <a:rPr lang="fr-FR" dirty="0" smtClean="0"/>
+              <a:t>Clients</a:t>
+            </a:r>
+            <a:endParaRPr lang="fr-FR" dirty="0" smtClean="0"/>
+          </a:p>
+        </p:txBody>
+      </p:sp>
+      <p:pic>
+        <p:nvPicPr>
+          <p:cNvPr id="5124" name="Picture 4" descr="C:\Users\user\Desktop\tutu.png"/>
+          <p:cNvPicPr>
+            <a:picLocks noChangeAspect="1" noChangeArrowheads="1"/>
+          </p:cNvPicPr>
+          <p:nvPr/>
+        </p:nvPicPr>
+        <p:blipFill>
+          <a:blip r:embed="rId2" cstate="print"/>
+          <a:srcRect/>
+          <a:stretch>
+            <a:fillRect/>
+          </a:stretch>
+        </p:blipFill>
+        <p:spPr bwMode="auto">
+          <a:xfrm>
+            <a:off x="3779912" y="188640"/>
+            <a:ext cx="5172075" cy="6488112"/>
+          </a:xfrm>
+          <a:prstGeom prst="rect">
+            <a:avLst/>
+          </a:prstGeom>
+          <a:ln>
+            <a:noFill/>
+          </a:ln>
+          <a:effectLst>
+            <a:outerShdw blurRad="292100" dist="139700" dir="2700000" algn="tl" rotWithShape="0">
+              <a:srgbClr val="333333">
+                <a:alpha val="65000"/>
+              </a:srgbClr>
+            </a:outerShdw>
+          </a:effectLst>
+        </p:spPr>
+      </p:pic>
     </p:spTree>
   </p:cSld>
   <p:clrMapOvr>
@@ -4602,33 +4736,6 @@
           <a:chExt cx="0" cy="0"/>
         </a:xfrm>
       </p:grpSpPr>
-      <p:sp>
-        <p:nvSpPr>
-          <p:cNvPr id="2" name="Titre 1"/>
-          <p:cNvSpPr>
-            <a:spLocks noGrp="1"/>
-          </p:cNvSpPr>
-          <p:nvPr>
-            <p:ph type="title"/>
-          </p:nvPr>
-        </p:nvSpPr>
-        <p:spPr/>
-        <p:txBody>
-          <a:bodyPr/>
-          <a:lstStyle/>
-          <a:p>
-            <a:r>
-              <a:rPr lang="fr-FR" dirty="0" smtClean="0"/>
-              <a:t>Use </a:t>
-            </a:r>
-            <a:r>
-              <a:rPr lang="fr-FR" dirty="0" smtClean="0"/>
-              <a:t>case – Ajouter photo</a:t>
-            </a:r>
-            <a:endParaRPr lang="fr-FR" dirty="0"/>
-          </a:p>
-        </p:txBody>
-      </p:sp>
       <p:pic>
         <p:nvPicPr>
           <p:cNvPr id="1026" name="Picture 2" descr="C:\Users\user\Downloads\Ajouter photo.jpg"/>
@@ -4646,8 +4753,8 @@
         </p:blipFill>
         <p:spPr bwMode="auto">
           <a:xfrm>
-            <a:off x="827584" y="1524855"/>
-            <a:ext cx="7416824" cy="5333145"/>
+            <a:off x="0" y="260648"/>
+            <a:ext cx="9174961" cy="6597352"/>
           </a:xfrm>
           <a:prstGeom prst="rect">
             <a:avLst/>
@@ -4819,13 +4926,16 @@
           <a:prstGeom prst="rect">
             <a:avLst/>
           </a:prstGeom>
-          <a:noFill/>
-          <a:ln w="9525">
+          <a:ln>
             <a:noFill/>
-            <a:miter lim="800000"/>
-            <a:headEnd/>
-            <a:tailEnd/>
           </a:ln>
+          <a:effectLst>
+            <a:outerShdw blurRad="292100" dist="139700" dir="2700000" algn="tl" rotWithShape="0">
+              <a:srgbClr val="333333">
+                <a:alpha val="65000"/>
+              </a:srgbClr>
+            </a:outerShdw>
+          </a:effectLst>
         </p:spPr>
       </p:pic>
     </p:spTree>
@@ -4919,19 +5029,22 @@
         </p:blipFill>
         <p:spPr bwMode="auto">
           <a:xfrm>
-            <a:off x="1187624" y="1628800"/>
+            <a:off x="1331640" y="1268760"/>
             <a:ext cx="6935836" cy="5229200"/>
           </a:xfrm>
           <a:prstGeom prst="rect">
             <a:avLst/>
           </a:prstGeom>
-          <a:noFill/>
-          <a:ln w="9525">
+          <a:ln>
             <a:noFill/>
-            <a:miter lim="800000"/>
-            <a:headEnd/>
-            <a:tailEnd/>
           </a:ln>
+          <a:effectLst>
+            <a:outerShdw blurRad="292100" dist="139700" dir="2700000" algn="tl" rotWithShape="0">
+              <a:srgbClr val="333333">
+                <a:alpha val="65000"/>
+              </a:srgbClr>
+            </a:outerShdw>
+          </a:effectLst>
         </p:spPr>
       </p:pic>
     </p:spTree>
@@ -5015,11 +5128,7 @@
             <a:pPr lvl="1"/>
             <a:r>
               <a:rPr lang="fr-FR" dirty="0" smtClean="0"/>
-              <a:t>Visibilité  de tous </a:t>
-            </a:r>
-            <a:r>
-              <a:rPr lang="fr-FR" smtClean="0"/>
-              <a:t>les albums.</a:t>
+              <a:t>Visibilité  de tous les albums.</a:t>
             </a:r>
             <a:endParaRPr lang="fr-FR" dirty="0" smtClean="0"/>
           </a:p>
@@ -5135,49 +5244,88 @@
           <a:chExt cx="0" cy="0"/>
         </a:xfrm>
       </p:grpSpPr>
-      <p:sp>
-        <p:nvSpPr>
-          <p:cNvPr id="2" name="Titre 1"/>
-          <p:cNvSpPr>
-            <a:spLocks noGrp="1"/>
-          </p:cNvSpPr>
-          <p:nvPr>
-            <p:ph type="title"/>
-          </p:nvPr>
-        </p:nvSpPr>
-        <p:spPr/>
-        <p:txBody>
-          <a:bodyPr/>
-          <a:lstStyle/>
-          <a:p>
-            <a:endParaRPr lang="fr-FR"/>
-          </a:p>
-        </p:txBody>
-      </p:sp>
-      <p:sp>
-        <p:nvSpPr>
-          <p:cNvPr id="3" name="Espace réservé du contenu 2"/>
-          <p:cNvSpPr>
-            <a:spLocks noGrp="1"/>
-          </p:cNvSpPr>
-          <p:nvPr>
-            <p:ph idx="1"/>
-          </p:nvPr>
-        </p:nvSpPr>
-        <p:spPr/>
-        <p:txBody>
-          <a:bodyPr/>
-          <a:lstStyle/>
-          <a:p>
-            <a:endParaRPr lang="fr-FR"/>
-          </a:p>
-        </p:txBody>
-      </p:sp>
+      <p:pic>
+        <p:nvPicPr>
+          <p:cNvPr id="6146" name="Picture 2"/>
+          <p:cNvPicPr>
+            <a:picLocks noChangeAspect="1" noChangeArrowheads="1"/>
+          </p:cNvPicPr>
+          <p:nvPr/>
+        </p:nvPicPr>
+        <p:blipFill>
+          <a:blip r:embed="rId2" cstate="print"/>
+          <a:srcRect l="2071" t="1273" r="582" b="2001"/>
+          <a:stretch>
+            <a:fillRect/>
+          </a:stretch>
+        </p:blipFill>
+        <p:spPr bwMode="auto">
+          <a:xfrm>
+            <a:off x="683568" y="620688"/>
+            <a:ext cx="3384376" cy="5472608"/>
+          </a:xfrm>
+          <a:prstGeom prst="rect">
+            <a:avLst/>
+          </a:prstGeom>
+          <a:ln>
+            <a:noFill/>
+          </a:ln>
+          <a:effectLst>
+            <a:outerShdw blurRad="292100" dist="139700" dir="2700000" algn="tl" rotWithShape="0">
+              <a:srgbClr val="333333">
+                <a:alpha val="65000"/>
+              </a:srgbClr>
+            </a:outerShdw>
+          </a:effectLst>
+        </p:spPr>
+      </p:pic>
+      <p:pic>
+        <p:nvPicPr>
+          <p:cNvPr id="6148" name="Picture 4"/>
+          <p:cNvPicPr>
+            <a:picLocks noChangeAspect="1" noChangeArrowheads="1"/>
+          </p:cNvPicPr>
+          <p:nvPr/>
+        </p:nvPicPr>
+        <p:blipFill>
+          <a:blip r:embed="rId3" cstate="print"/>
+          <a:srcRect/>
+          <a:stretch>
+            <a:fillRect/>
+          </a:stretch>
+        </p:blipFill>
+        <p:spPr bwMode="auto">
+          <a:xfrm>
+            <a:off x="5004048" y="332656"/>
+            <a:ext cx="3390900" cy="5943600"/>
+          </a:xfrm>
+          <a:prstGeom prst="rect">
+            <a:avLst/>
+          </a:prstGeom>
+          <a:ln>
+            <a:noFill/>
+          </a:ln>
+          <a:effectLst>
+            <a:outerShdw blurRad="292100" dist="139700" dir="2700000" algn="tl" rotWithShape="0">
+              <a:srgbClr val="333333">
+                <a:alpha val="65000"/>
+              </a:srgbClr>
+            </a:outerShdw>
+          </a:effectLst>
+        </p:spPr>
+      </p:pic>
     </p:spTree>
   </p:cSld>
   <p:clrMapOvr>
     <a:masterClrMapping/>
   </p:clrMapOvr>
+  <p:timing>
+    <p:tnLst>
+      <p:par>
+        <p:cTn id="1" dur="indefinite" restart="never" nodeType="tmRoot"/>
+      </p:par>
+    </p:tnLst>
+  </p:timing>
 </p:sld>
 </file>
 
@@ -5277,13 +5425,16 @@
           <a:prstGeom prst="rect">
             <a:avLst/>
           </a:prstGeom>
-          <a:noFill/>
-          <a:ln w="9525">
+          <a:ln>
             <a:noFill/>
-            <a:miter lim="800000"/>
-            <a:headEnd/>
-            <a:tailEnd/>
           </a:ln>
+          <a:effectLst>
+            <a:outerShdw blurRad="292100" dist="139700" dir="2700000" algn="tl" rotWithShape="0">
+              <a:srgbClr val="333333">
+                <a:alpha val="65000"/>
+              </a:srgbClr>
+            </a:outerShdw>
+          </a:effectLst>
         </p:spPr>
       </p:pic>
     </p:spTree>
@@ -5291,6 +5442,13 @@
   <p:clrMapOvr>
     <a:masterClrMapping/>
   </p:clrMapOvr>
+  <p:timing>
+    <p:tnLst>
+      <p:par>
+        <p:cTn id="1" dur="indefinite" restart="never" nodeType="tmRoot"/>
+      </p:par>
+    </p:tnLst>
+  </p:timing>
 </p:sld>
 </file>
 
@@ -5381,7 +5539,48 @@
             <a:pPr lvl="1"/>
             <a:r>
               <a:rPr lang="fr-FR" dirty="0" smtClean="0"/>
-              <a:t>Utilisation de dossier au lieu de listes.</a:t>
+              <a:t>Utilisation de </a:t>
+            </a:r>
+            <a:r>
+              <a:rPr lang="fr-FR" dirty="0" err="1" smtClean="0"/>
+              <a:t>list</a:t>
+            </a:r>
+            <a:r>
+              <a:rPr lang="fr-FR" dirty="0" smtClean="0"/>
+              <a:t> </a:t>
+            </a:r>
+            <a:r>
+              <a:rPr lang="fr-FR" dirty="0" err="1" smtClean="0"/>
+              <a:t>view</a:t>
+            </a:r>
+            <a:r>
+              <a:rPr lang="fr-FR" dirty="0" smtClean="0"/>
+              <a:t> avec </a:t>
+            </a:r>
+            <a:r>
+              <a:rPr lang="fr-FR" dirty="0" err="1" smtClean="0"/>
+              <a:t>template</a:t>
+            </a:r>
+            <a:r>
+              <a:rPr lang="fr-FR" dirty="0" smtClean="0"/>
+              <a:t> au lieu de listes.</a:t>
+            </a:r>
+          </a:p>
+          <a:p>
+            <a:r>
+              <a:rPr lang="fr-FR" dirty="0" smtClean="0"/>
+              <a:t>Conversion de format</a:t>
+            </a:r>
+          </a:p>
+          <a:p>
+            <a:pPr lvl="1"/>
+            <a:r>
+              <a:rPr lang="fr-FR" dirty="0" smtClean="0"/>
+              <a:t>Utilisation d’un </a:t>
+            </a:r>
+            <a:r>
+              <a:rPr lang="fr-FR" dirty="0" err="1" smtClean="0"/>
+              <a:t>converter</a:t>
             </a:r>
             <a:endParaRPr lang="fr-FR" dirty="0"/>
           </a:p>
@@ -5392,6 +5591,13 @@
   <p:clrMapOvr>
     <a:masterClrMapping/>
   </p:clrMapOvr>
+  <p:timing>
+    <p:tnLst>
+      <p:par>
+        <p:cTn id="1" dur="indefinite" restart="never" nodeType="tmRoot"/>
+      </p:par>
+    </p:tnLst>
+  </p:timing>
 </p:sld>
 </file>
 

--- a/MiniProjetComplet/Rapport/Presentation c#.pptx
+++ b/MiniProjetComplet/Rapport/Presentation c#.pptx
@@ -1,6 +1,6 @@
 
 <file path=ppt/presentation.xml><?xml version="1.0" encoding="utf-8"?>
-<p:presentation xmlns:a="http://schemas.openxmlformats.org/drawingml/2006/main" xmlns:r="http://schemas.openxmlformats.org/officeDocument/2006/relationships" xmlns:p="http://schemas.openxmlformats.org/presentationml/2006/main" saveSubsetFonts="1">
+<p:presentation xmlns:a="http://schemas.openxmlformats.org/drawingml/2006/main" xmlns:r="http://schemas.openxmlformats.org/officeDocument/2006/relationships" xmlns:p="http://schemas.openxmlformats.org/presentationml/2006/main" showSpecialPlsOnTitleSld="0" saveSubsetFonts="1">
   <p:sldMasterIdLst>
     <p:sldMasterId id="2147483696" r:id="rId1"/>
   </p:sldMasterIdLst>
@@ -202,7 +202,7 @@
             <a:fld id="{01E731C0-092A-4B16-A740-7E644C3C322B}" type="datetimeFigureOut">
               <a:rPr lang="fr-FR" smtClean="0"/>
               <a:pPr/>
-              <a:t>12/06/2013</a:t>
+              <a:t>13/06/2013</a:t>
             </a:fld>
             <a:endParaRPr lang="fr-FR"/>
           </a:p>
@@ -880,10 +880,9 @@
           <a:bodyPr/>
           <a:lstStyle/>
           <a:p>
-            <a:fld id="{D9398899-B823-4A8A-BE81-322D0D1822F7}" type="datetimeFigureOut">
-              <a:rPr lang="fr-FR" smtClean="0"/>
-              <a:pPr/>
-              <a:t>12/06/2013</a:t>
+            <a:fld id="{140FBD99-741D-4300-A428-DFB93B9244E7}" type="datetime1">
+              <a:rPr lang="fr-FR" smtClean="0"/>
+              <a:t>13/06/2013</a:t>
             </a:fld>
             <a:endParaRPr lang="fr-FR"/>
           </a:p>
@@ -904,6 +903,10 @@
           <a:bodyPr/>
           <a:lstStyle/>
           <a:p>
+            <a:r>
+              <a:rPr lang="fr-FR" smtClean="0"/>
+              <a:t>Fabien Belli - Cyril Gorrieri</a:t>
+            </a:r>
             <a:endParaRPr lang="fr-FR"/>
           </a:p>
         </p:txBody>
@@ -1105,10 +1108,9 @@
           <a:bodyPr/>
           <a:lstStyle/>
           <a:p>
-            <a:fld id="{D9398899-B823-4A8A-BE81-322D0D1822F7}" type="datetimeFigureOut">
-              <a:rPr lang="fr-FR" smtClean="0"/>
-              <a:pPr/>
-              <a:t>12/06/2013</a:t>
+            <a:fld id="{2D864E15-655D-4434-9B8F-E3929109CF47}" type="datetime1">
+              <a:rPr lang="fr-FR" smtClean="0"/>
+              <a:t>13/06/2013</a:t>
             </a:fld>
             <a:endParaRPr lang="fr-FR"/>
           </a:p>
@@ -1129,6 +1131,10 @@
           <a:bodyPr/>
           <a:lstStyle/>
           <a:p>
+            <a:r>
+              <a:rPr lang="fr-FR" smtClean="0"/>
+              <a:t>Fabien Belli - Cyril Gorrieri</a:t>
+            </a:r>
             <a:endParaRPr lang="fr-FR"/>
           </a:p>
         </p:txBody>
@@ -1387,10 +1393,9 @@
           <a:bodyPr/>
           <a:lstStyle/>
           <a:p>
-            <a:fld id="{D9398899-B823-4A8A-BE81-322D0D1822F7}" type="datetimeFigureOut">
-              <a:rPr lang="fr-FR" smtClean="0"/>
-              <a:pPr/>
-              <a:t>12/06/2013</a:t>
+            <a:fld id="{6D351DC5-73F9-4CBC-BC0B-2205AFC59AE8}" type="datetime1">
+              <a:rPr lang="fr-FR" smtClean="0"/>
+              <a:t>13/06/2013</a:t>
             </a:fld>
             <a:endParaRPr lang="fr-FR"/>
           </a:p>
@@ -1416,6 +1421,10 @@
           <a:bodyPr/>
           <a:lstStyle/>
           <a:p>
+            <a:r>
+              <a:rPr lang="fr-FR" smtClean="0"/>
+              <a:t>Fabien Belli - Cyril Gorrieri</a:t>
+            </a:r>
             <a:endParaRPr lang="fr-FR"/>
           </a:p>
         </p:txBody>
@@ -1568,10 +1577,9 @@
           <a:bodyPr/>
           <a:lstStyle/>
           <a:p>
-            <a:fld id="{D9398899-B823-4A8A-BE81-322D0D1822F7}" type="datetimeFigureOut">
-              <a:rPr lang="fr-FR" smtClean="0"/>
-              <a:pPr/>
-              <a:t>12/06/2013</a:t>
+            <a:fld id="{D29160B3-A2BF-47C6-8F87-A0FEB9B423A5}" type="datetime1">
+              <a:rPr lang="fr-FR" smtClean="0"/>
+              <a:t>13/06/2013</a:t>
             </a:fld>
             <a:endParaRPr lang="fr-FR"/>
           </a:p>
@@ -1592,6 +1600,10 @@
           <a:bodyPr/>
           <a:lstStyle/>
           <a:p>
+            <a:r>
+              <a:rPr lang="fr-FR" smtClean="0"/>
+              <a:t>Fabien Belli - Cyril Gorrieri</a:t>
+            </a:r>
             <a:endParaRPr lang="fr-FR"/>
           </a:p>
         </p:txBody>
@@ -1928,10 +1940,9 @@
           <a:bodyPr/>
           <a:lstStyle/>
           <a:p>
-            <a:fld id="{D9398899-B823-4A8A-BE81-322D0D1822F7}" type="datetimeFigureOut">
-              <a:rPr lang="fr-FR" smtClean="0"/>
-              <a:pPr/>
-              <a:t>12/06/2013</a:t>
+            <a:fld id="{2C1A77C4-875E-4C87-A58D-419CB8C95CB3}" type="datetime1">
+              <a:rPr lang="fr-FR" smtClean="0"/>
+              <a:t>13/06/2013</a:t>
             </a:fld>
             <a:endParaRPr lang="fr-FR"/>
           </a:p>
@@ -1952,6 +1963,10 @@
           <a:bodyPr/>
           <a:lstStyle/>
           <a:p>
+            <a:r>
+              <a:rPr lang="fr-FR" smtClean="0"/>
+              <a:t>Fabien Belli - Cyril Gorrieri</a:t>
+            </a:r>
             <a:endParaRPr lang="fr-FR"/>
           </a:p>
         </p:txBody>
@@ -2217,10 +2232,9 @@
           <a:bodyPr/>
           <a:lstStyle/>
           <a:p>
-            <a:fld id="{D9398899-B823-4A8A-BE81-322D0D1822F7}" type="datetimeFigureOut">
-              <a:rPr lang="fr-FR" smtClean="0"/>
-              <a:pPr/>
-              <a:t>12/06/2013</a:t>
+            <a:fld id="{B7F898D3-27B7-48B5-88ED-AD998EF94EF0}" type="datetime1">
+              <a:rPr lang="fr-FR" smtClean="0"/>
+              <a:t>13/06/2013</a:t>
             </a:fld>
             <a:endParaRPr lang="fr-FR"/>
           </a:p>
@@ -2241,6 +2255,10 @@
           <a:bodyPr/>
           <a:lstStyle/>
           <a:p>
+            <a:r>
+              <a:rPr lang="fr-FR" smtClean="0"/>
+              <a:t>Fabien Belli - Cyril Gorrieri</a:t>
+            </a:r>
             <a:endParaRPr lang="fr-FR"/>
           </a:p>
         </p:txBody>
@@ -2641,10 +2659,9 @@
           <a:bodyPr/>
           <a:lstStyle/>
           <a:p>
-            <a:fld id="{D9398899-B823-4A8A-BE81-322D0D1822F7}" type="datetimeFigureOut">
-              <a:rPr lang="fr-FR" smtClean="0"/>
-              <a:pPr/>
-              <a:t>12/06/2013</a:t>
+            <a:fld id="{7EED7570-ACAA-4290-A9A9-862B76DDECFD}" type="datetime1">
+              <a:rPr lang="fr-FR" smtClean="0"/>
+              <a:t>13/06/2013</a:t>
             </a:fld>
             <a:endParaRPr lang="fr-FR"/>
           </a:p>
@@ -2665,6 +2682,10 @@
           <a:bodyPr/>
           <a:lstStyle/>
           <a:p>
+            <a:r>
+              <a:rPr lang="fr-FR" smtClean="0"/>
+              <a:t>Fabien Belli - Cyril Gorrieri</a:t>
+            </a:r>
             <a:endParaRPr lang="fr-FR"/>
           </a:p>
         </p:txBody>
@@ -2758,10 +2779,9 @@
           <a:bodyPr/>
           <a:lstStyle/>
           <a:p>
-            <a:fld id="{D9398899-B823-4A8A-BE81-322D0D1822F7}" type="datetimeFigureOut">
-              <a:rPr lang="fr-FR" smtClean="0"/>
-              <a:pPr/>
-              <a:t>12/06/2013</a:t>
+            <a:fld id="{69B02830-EF83-49C0-8EA3-F6F8E84DDA18}" type="datetime1">
+              <a:rPr lang="fr-FR" smtClean="0"/>
+              <a:t>13/06/2013</a:t>
             </a:fld>
             <a:endParaRPr lang="fr-FR"/>
           </a:p>
@@ -2782,6 +2802,10 @@
           <a:bodyPr/>
           <a:lstStyle/>
           <a:p>
+            <a:r>
+              <a:rPr lang="fr-FR" smtClean="0"/>
+              <a:t>Fabien Belli - Cyril Gorrieri</a:t>
+            </a:r>
             <a:endParaRPr lang="fr-FR"/>
           </a:p>
         </p:txBody>
@@ -2850,10 +2874,9 @@
           <a:bodyPr/>
           <a:lstStyle/>
           <a:p>
-            <a:fld id="{D9398899-B823-4A8A-BE81-322D0D1822F7}" type="datetimeFigureOut">
-              <a:rPr lang="fr-FR" smtClean="0"/>
-              <a:pPr/>
-              <a:t>12/06/2013</a:t>
+            <a:fld id="{3F1B2FD8-761B-4039-AAE9-036F7E6A4D84}" type="datetime1">
+              <a:rPr lang="fr-FR" smtClean="0"/>
+              <a:t>13/06/2013</a:t>
             </a:fld>
             <a:endParaRPr lang="fr-FR"/>
           </a:p>
@@ -2874,6 +2897,10 @@
           <a:bodyPr/>
           <a:lstStyle/>
           <a:p>
+            <a:r>
+              <a:rPr lang="fr-FR" smtClean="0"/>
+              <a:t>Fabien Belli - Cyril Gorrieri</a:t>
+            </a:r>
             <a:endParaRPr lang="fr-FR"/>
           </a:p>
         </p:txBody>
@@ -3130,10 +3157,9 @@
           <a:bodyPr/>
           <a:lstStyle/>
           <a:p>
-            <a:fld id="{D9398899-B823-4A8A-BE81-322D0D1822F7}" type="datetimeFigureOut">
-              <a:rPr lang="fr-FR" smtClean="0"/>
-              <a:pPr/>
-              <a:t>12/06/2013</a:t>
+            <a:fld id="{6E7B52AF-711D-40C0-8330-4B5BCF8F2A03}" type="datetime1">
+              <a:rPr lang="fr-FR" smtClean="0"/>
+              <a:t>13/06/2013</a:t>
             </a:fld>
             <a:endParaRPr lang="fr-FR"/>
           </a:p>
@@ -3154,6 +3180,10 @@
           <a:bodyPr/>
           <a:lstStyle/>
           <a:p>
+            <a:r>
+              <a:rPr lang="fr-FR" smtClean="0"/>
+              <a:t>Fabien Belli - Cyril Gorrieri</a:t>
+            </a:r>
             <a:endParaRPr lang="fr-FR"/>
           </a:p>
         </p:txBody>
@@ -3498,10 +3528,9 @@
           <a:bodyPr/>
           <a:lstStyle/>
           <a:p>
-            <a:fld id="{D9398899-B823-4A8A-BE81-322D0D1822F7}" type="datetimeFigureOut">
-              <a:rPr lang="fr-FR" smtClean="0"/>
-              <a:pPr/>
-              <a:t>12/06/2013</a:t>
+            <a:fld id="{194A1EC4-15B8-43D5-9DE6-47CBC6050E64}" type="datetime1">
+              <a:rPr lang="fr-FR" smtClean="0"/>
+              <a:t>13/06/2013</a:t>
             </a:fld>
             <a:endParaRPr lang="fr-FR"/>
           </a:p>
@@ -3631,6 +3660,10 @@
             </a:lvl1pPr>
           </a:lstStyle>
           <a:p>
+            <a:r>
+              <a:rPr lang="fr-FR" smtClean="0"/>
+              <a:t>Fabien Belli - Cyril Gorrieri</a:t>
+            </a:r>
             <a:endParaRPr lang="fr-FR"/>
           </a:p>
         </p:txBody>
@@ -3937,10 +3970,9 @@
             <a:extLst/>
           </a:lstStyle>
           <a:p>
-            <a:fld id="{D9398899-B823-4A8A-BE81-322D0D1822F7}" type="datetimeFigureOut">
-              <a:rPr lang="fr-FR" smtClean="0"/>
-              <a:pPr/>
-              <a:t>12/06/2013</a:t>
+            <a:fld id="{156EC877-68FF-4CD3-98AE-E868C93CEEC7}" type="datetime1">
+              <a:rPr lang="fr-FR" smtClean="0"/>
+              <a:t>13/06/2013</a:t>
             </a:fld>
             <a:endParaRPr lang="fr-FR"/>
           </a:p>
@@ -3980,6 +4012,10 @@
             <a:extLst/>
           </a:lstStyle>
           <a:p>
+            <a:r>
+              <a:rPr lang="fr-FR" smtClean="0"/>
+              <a:t>Fabien Belli - Cyril Gorrieri</a:t>
+            </a:r>
             <a:endParaRPr lang="fr-FR"/>
           </a:p>
         </p:txBody>
@@ -4043,6 +4079,7 @@
     <p:sldLayoutId id="2147483706" r:id="rId10"/>
     <p:sldLayoutId id="2147483707" r:id="rId11"/>
   </p:sldLayoutIdLst>
+  <p:hf hdr="0"/>
   <p:txStyles>
     <p:titleStyle>
       <a:lvl1pPr algn="l" rtl="0" eaLnBrk="1" latinLnBrk="0" hangingPunct="1">
@@ -4391,20 +4428,77 @@
           <a:p>
             <a:r>
               <a:rPr lang="fr-FR" dirty="0" smtClean="0"/>
-              <a:t>Belli Fabien – </a:t>
-            </a:r>
-            <a:r>
-              <a:rPr lang="fr-FR" dirty="0" err="1" smtClean="0"/>
-              <a:t>Gorrieri</a:t>
-            </a:r>
-            <a:r>
-              <a:rPr lang="fr-FR" dirty="0" smtClean="0"/>
-              <a:t> Cyril</a:t>
+              <a:t>Fabien </a:t>
+            </a:r>
+            <a:r>
+              <a:rPr lang="fr-FR" dirty="0" smtClean="0"/>
+              <a:t>Belli – Cyril Gorrieri </a:t>
             </a:r>
             <a:endParaRPr lang="fr-FR" dirty="0"/>
           </a:p>
         </p:txBody>
       </p:sp>
+      <p:pic>
+        <p:nvPicPr>
+          <p:cNvPr id="4" name="Image 3" descr="POLYTECH NICE-SOPHIA_RVB.jpg"/>
+          <p:cNvPicPr>
+            <a:picLocks noChangeAspect="1"/>
+          </p:cNvPicPr>
+          <p:nvPr/>
+        </p:nvPicPr>
+        <p:blipFill>
+          <a:blip r:embed="rId3" cstate="print"/>
+          <a:stretch>
+            <a:fillRect/>
+          </a:stretch>
+        </p:blipFill>
+        <p:spPr>
+          <a:xfrm>
+            <a:off x="4624867" y="1136174"/>
+            <a:ext cx="3475525" cy="1080120"/>
+          </a:xfrm>
+          <a:prstGeom prst="rect">
+            <a:avLst/>
+          </a:prstGeom>
+          <a:ln w="76200">
+            <a:solidFill>
+              <a:schemeClr val="tx1"/>
+            </a:solidFill>
+          </a:ln>
+        </p:spPr>
+      </p:pic>
+      <p:pic>
+        <p:nvPicPr>
+          <p:cNvPr id="5" name="Image 4" descr="UNSA.png"/>
+          <p:cNvPicPr>
+            <a:picLocks noChangeAspect="1"/>
+          </p:cNvPicPr>
+          <p:nvPr/>
+        </p:nvPicPr>
+        <p:blipFill>
+          <a:blip r:embed="rId4" cstate="print"/>
+          <a:stretch>
+            <a:fillRect/>
+          </a:stretch>
+        </p:blipFill>
+        <p:spPr>
+          <a:xfrm>
+            <a:off x="841561" y="1136174"/>
+            <a:ext cx="2578311" cy="1080000"/>
+          </a:xfrm>
+          <a:prstGeom prst="rect">
+            <a:avLst/>
+          </a:prstGeom>
+          <a:solidFill>
+            <a:schemeClr val="tx1"/>
+          </a:solidFill>
+          <a:ln w="76200">
+            <a:solidFill>
+              <a:schemeClr val="tx1"/>
+            </a:solidFill>
+          </a:ln>
+        </p:spPr>
+      </p:pic>
     </p:spTree>
   </p:cSld>
   <p:clrMapOvr>
@@ -4513,12 +4607,12 @@
               <a:t>Le </a:t>
             </a:r>
             <a:r>
-              <a:rPr lang="fr-FR" dirty="0" err="1" smtClean="0"/>
-              <a:t>css</a:t>
-            </a:r>
-            <a:r>
-              <a:rPr lang="fr-FR" dirty="0" smtClean="0"/>
-              <a:t> du client web.</a:t>
+              <a:rPr lang="fr-FR" dirty="0" smtClean="0"/>
+              <a:t>CSS du </a:t>
+            </a:r>
+            <a:r>
+              <a:rPr lang="fr-FR" dirty="0" smtClean="0"/>
+              <a:t>client web.</a:t>
             </a:r>
           </a:p>
           <a:p>
@@ -4552,11 +4646,80 @@
               <a:rPr lang="fr-FR" dirty="0" smtClean="0"/>
               <a:t>.</a:t>
             </a:r>
-            <a:endParaRPr lang="fr-FR" dirty="0" smtClean="0"/>
           </a:p>
           <a:p>
             <a:pPr lvl="1"/>
             <a:endParaRPr lang="fr-FR" dirty="0"/>
+          </a:p>
+        </p:txBody>
+      </p:sp>
+      <p:sp>
+        <p:nvSpPr>
+          <p:cNvPr id="4" name="Espace réservé de la date 3"/>
+          <p:cNvSpPr>
+            <a:spLocks noGrp="1"/>
+          </p:cNvSpPr>
+          <p:nvPr>
+            <p:ph type="dt" sz="half" idx="10"/>
+          </p:nvPr>
+        </p:nvSpPr>
+        <p:spPr/>
+        <p:txBody>
+          <a:bodyPr/>
+          <a:lstStyle/>
+          <a:p>
+            <a:fld id="{5B9E0413-2C65-4A10-9FA2-06E2B8B2D931}" type="datetime1">
+              <a:rPr lang="fr-FR" smtClean="0"/>
+              <a:t>13/06/2013</a:t>
+            </a:fld>
+            <a:endParaRPr lang="fr-FR"/>
+          </a:p>
+        </p:txBody>
+      </p:sp>
+      <p:sp>
+        <p:nvSpPr>
+          <p:cNvPr id="5" name="Espace réservé du numéro de diapositive 4"/>
+          <p:cNvSpPr>
+            <a:spLocks noGrp="1"/>
+          </p:cNvSpPr>
+          <p:nvPr>
+            <p:ph type="sldNum" sz="quarter" idx="12"/>
+          </p:nvPr>
+        </p:nvSpPr>
+        <p:spPr/>
+        <p:txBody>
+          <a:bodyPr/>
+          <a:lstStyle/>
+          <a:p>
+            <a:fld id="{CDE5A23B-8645-4050-B938-E53584239F9F}" type="slidenum">
+              <a:rPr lang="fr-FR" smtClean="0"/>
+              <a:pPr/>
+              <a:t>10</a:t>
+            </a:fld>
+            <a:endParaRPr lang="fr-FR"/>
+          </a:p>
+        </p:txBody>
+      </p:sp>
+      <p:sp>
+        <p:nvSpPr>
+          <p:cNvPr id="6" name="Espace réservé du pied de page 5"/>
+          <p:cNvSpPr>
+            <a:spLocks noGrp="1"/>
+          </p:cNvSpPr>
+          <p:nvPr>
+            <p:ph type="ftr" sz="quarter" idx="11"/>
+          </p:nvPr>
+        </p:nvSpPr>
+        <p:spPr/>
+        <p:txBody>
+          <a:bodyPr/>
+          <a:lstStyle/>
+          <a:p>
+            <a:r>
+              <a:rPr lang="fr-FR" smtClean="0"/>
+              <a:t>Fabien Belli - Cyril Gorrieri</a:t>
+            </a:r>
+            <a:endParaRPr lang="fr-FR"/>
           </a:p>
         </p:txBody>
       </p:sp>
@@ -4646,7 +4809,6 @@
               <a:rPr lang="fr-FR" dirty="0" smtClean="0"/>
               <a:t>3-tiers</a:t>
             </a:r>
-            <a:endParaRPr lang="fr-FR" dirty="0" smtClean="0"/>
           </a:p>
           <a:p>
             <a:r>
@@ -4665,7 +4827,6 @@
               <a:rPr lang="fr-FR" dirty="0" smtClean="0"/>
               <a:t>Clients</a:t>
             </a:r>
-            <a:endParaRPr lang="fr-FR" dirty="0" smtClean="0"/>
           </a:p>
         </p:txBody>
       </p:sp>
@@ -4704,6 +4865,76 @@
           </a:effectLst>
         </p:spPr>
       </p:pic>
+      <p:sp>
+        <p:nvSpPr>
+          <p:cNvPr id="6" name="Espace réservé de la date 5"/>
+          <p:cNvSpPr>
+            <a:spLocks noGrp="1"/>
+          </p:cNvSpPr>
+          <p:nvPr>
+            <p:ph type="dt" sz="half" idx="10"/>
+          </p:nvPr>
+        </p:nvSpPr>
+        <p:spPr/>
+        <p:txBody>
+          <a:bodyPr/>
+          <a:lstStyle/>
+          <a:p>
+            <a:fld id="{6286F057-26F0-4FA8-B228-612142647DD1}" type="datetime1">
+              <a:rPr lang="fr-FR" smtClean="0"/>
+              <a:t>13/06/2013</a:t>
+            </a:fld>
+            <a:endParaRPr lang="fr-FR"/>
+          </a:p>
+        </p:txBody>
+      </p:sp>
+      <p:sp>
+        <p:nvSpPr>
+          <p:cNvPr id="7" name="Espace réservé du numéro de diapositive 6"/>
+          <p:cNvSpPr>
+            <a:spLocks noGrp="1"/>
+          </p:cNvSpPr>
+          <p:nvPr>
+            <p:ph type="sldNum" sz="quarter" idx="12"/>
+          </p:nvPr>
+        </p:nvSpPr>
+        <p:spPr/>
+        <p:txBody>
+          <a:bodyPr/>
+          <a:lstStyle/>
+          <a:p>
+            <a:fld id="{CDE5A23B-8645-4050-B938-E53584239F9F}" type="slidenum">
+              <a:rPr lang="fr-FR" smtClean="0"/>
+              <a:pPr/>
+              <a:t>2</a:t>
+            </a:fld>
+            <a:endParaRPr lang="fr-FR"/>
+          </a:p>
+        </p:txBody>
+      </p:sp>
+      <p:sp>
+        <p:nvSpPr>
+          <p:cNvPr id="8" name="Espace réservé du pied de page 7"/>
+          <p:cNvSpPr>
+            <a:spLocks noGrp="1"/>
+          </p:cNvSpPr>
+          <p:nvPr>
+            <p:ph type="ftr" sz="quarter" idx="11"/>
+          </p:nvPr>
+        </p:nvSpPr>
+        <p:spPr/>
+        <p:txBody>
+          <a:bodyPr/>
+          <a:lstStyle/>
+          <a:p>
+            <a:r>
+              <a:rPr lang="fr-FR" smtClean="0"/>
+              <a:t>Fabien Belli - Cyril Gorrieri</a:t>
+            </a:r>
+            <a:endParaRPr lang="fr-FR"/>
+          </a:p>
+        </p:txBody>
+      </p:sp>
     </p:spTree>
   </p:cSld>
   <p:clrMapOvr>
@@ -4762,6 +4993,76 @@
           <a:noFill/>
         </p:spPr>
       </p:pic>
+      <p:sp>
+        <p:nvSpPr>
+          <p:cNvPr id="3" name="Espace réservé de la date 2"/>
+          <p:cNvSpPr>
+            <a:spLocks noGrp="1"/>
+          </p:cNvSpPr>
+          <p:nvPr>
+            <p:ph type="dt" sz="half" idx="10"/>
+          </p:nvPr>
+        </p:nvSpPr>
+        <p:spPr/>
+        <p:txBody>
+          <a:bodyPr/>
+          <a:lstStyle/>
+          <a:p>
+            <a:fld id="{33EF3C49-E1C2-4619-876C-1342C10E4124}" type="datetime1">
+              <a:rPr lang="fr-FR" smtClean="0"/>
+              <a:t>13/06/2013</a:t>
+            </a:fld>
+            <a:endParaRPr lang="fr-FR"/>
+          </a:p>
+        </p:txBody>
+      </p:sp>
+      <p:sp>
+        <p:nvSpPr>
+          <p:cNvPr id="4" name="Espace réservé du numéro de diapositive 3"/>
+          <p:cNvSpPr>
+            <a:spLocks noGrp="1"/>
+          </p:cNvSpPr>
+          <p:nvPr>
+            <p:ph type="sldNum" sz="quarter" idx="12"/>
+          </p:nvPr>
+        </p:nvSpPr>
+        <p:spPr/>
+        <p:txBody>
+          <a:bodyPr/>
+          <a:lstStyle/>
+          <a:p>
+            <a:fld id="{CDE5A23B-8645-4050-B938-E53584239F9F}" type="slidenum">
+              <a:rPr lang="fr-FR" smtClean="0"/>
+              <a:pPr/>
+              <a:t>3</a:t>
+            </a:fld>
+            <a:endParaRPr lang="fr-FR"/>
+          </a:p>
+        </p:txBody>
+      </p:sp>
+      <p:sp>
+        <p:nvSpPr>
+          <p:cNvPr id="5" name="Espace réservé du pied de page 4"/>
+          <p:cNvSpPr>
+            <a:spLocks noGrp="1"/>
+          </p:cNvSpPr>
+          <p:nvPr>
+            <p:ph type="ftr" sz="quarter" idx="11"/>
+          </p:nvPr>
+        </p:nvSpPr>
+        <p:spPr/>
+        <p:txBody>
+          <a:bodyPr/>
+          <a:lstStyle/>
+          <a:p>
+            <a:r>
+              <a:rPr lang="fr-FR" smtClean="0"/>
+              <a:t>Fabien Belli - Cyril Gorrieri</a:t>
+            </a:r>
+            <a:endParaRPr lang="fr-FR"/>
+          </a:p>
+        </p:txBody>
+      </p:sp>
     </p:spTree>
   </p:cSld>
   <p:clrMapOvr>
@@ -4811,15 +5112,7 @@
           <a:p>
             <a:r>
               <a:rPr lang="fr-FR" dirty="0" smtClean="0"/>
-              <a:t>Client </a:t>
-            </a:r>
-            <a:r>
-              <a:rPr lang="fr-FR" dirty="0" smtClean="0"/>
-              <a:t>WPF - </a:t>
-            </a:r>
-            <a:r>
-              <a:rPr lang="fr-FR" dirty="0" smtClean="0"/>
-              <a:t>Fonctionnalités</a:t>
+              <a:t>Client WPF - Fonctionnalités</a:t>
             </a:r>
             <a:endParaRPr lang="fr-FR" dirty="0"/>
           </a:p>
@@ -4853,7 +5146,6 @@
               <a:rPr lang="fr-FR" dirty="0" smtClean="0"/>
               <a:t>Création, suppression.</a:t>
             </a:r>
-            <a:endParaRPr lang="fr-FR" dirty="0" smtClean="0"/>
           </a:p>
           <a:p>
             <a:r>
@@ -4872,7 +5164,15 @@
             <a:pPr lvl="1"/>
             <a:r>
               <a:rPr lang="fr-FR" dirty="0" smtClean="0"/>
-              <a:t>Suppression d’un image</a:t>
+              <a:t>Suppression </a:t>
+            </a:r>
+            <a:r>
+              <a:rPr lang="fr-FR" dirty="0" smtClean="0"/>
+              <a:t>d’une </a:t>
+            </a:r>
+            <a:r>
+              <a:rPr lang="fr-FR" dirty="0" smtClean="0"/>
+              <a:t>image</a:t>
             </a:r>
           </a:p>
           <a:p>
@@ -4880,7 +5180,6 @@
               <a:rPr lang="fr-FR" dirty="0" smtClean="0"/>
               <a:t>Communication</a:t>
             </a:r>
-            <a:endParaRPr lang="fr-FR" dirty="0" smtClean="0"/>
           </a:p>
           <a:p>
             <a:pPr lvl="1"/>
@@ -4890,14 +5189,30 @@
             </a:r>
             <a:r>
               <a:rPr lang="fr-FR" dirty="0" smtClean="0"/>
-              <a:t> d’un images dans un album</a:t>
+              <a:t> </a:t>
+            </a:r>
+            <a:r>
+              <a:rPr lang="fr-FR" dirty="0" smtClean="0"/>
+              <a:t>d’une image </a:t>
+            </a:r>
+            <a:r>
+              <a:rPr lang="fr-FR" dirty="0" smtClean="0"/>
+              <a:t>dans un album</a:t>
             </a:r>
           </a:p>
           <a:p>
             <a:pPr lvl="1"/>
             <a:r>
               <a:rPr lang="fr-FR" dirty="0" smtClean="0"/>
-              <a:t>Téléchargement d’un image dans un dossier</a:t>
+              <a:t>Téléchargement </a:t>
+            </a:r>
+            <a:r>
+              <a:rPr lang="fr-FR" dirty="0" smtClean="0"/>
+              <a:t>d’une </a:t>
+            </a:r>
+            <a:r>
+              <a:rPr lang="fr-FR" dirty="0" smtClean="0"/>
+              <a:t>image dans un dossier</a:t>
             </a:r>
             <a:endParaRPr lang="fr-FR" dirty="0"/>
           </a:p>
@@ -4938,6 +5253,76 @@
           </a:effectLst>
         </p:spPr>
       </p:pic>
+      <p:sp>
+        <p:nvSpPr>
+          <p:cNvPr id="5" name="Espace réservé de la date 4"/>
+          <p:cNvSpPr>
+            <a:spLocks noGrp="1"/>
+          </p:cNvSpPr>
+          <p:nvPr>
+            <p:ph type="dt" sz="half" idx="10"/>
+          </p:nvPr>
+        </p:nvSpPr>
+        <p:spPr/>
+        <p:txBody>
+          <a:bodyPr/>
+          <a:lstStyle/>
+          <a:p>
+            <a:fld id="{E2EB7F56-E651-4CBD-9A6E-E5D245652565}" type="datetime1">
+              <a:rPr lang="fr-FR" smtClean="0"/>
+              <a:t>13/06/2013</a:t>
+            </a:fld>
+            <a:endParaRPr lang="fr-FR"/>
+          </a:p>
+        </p:txBody>
+      </p:sp>
+      <p:sp>
+        <p:nvSpPr>
+          <p:cNvPr id="6" name="Espace réservé du numéro de diapositive 5"/>
+          <p:cNvSpPr>
+            <a:spLocks noGrp="1"/>
+          </p:cNvSpPr>
+          <p:nvPr>
+            <p:ph type="sldNum" sz="quarter" idx="12"/>
+          </p:nvPr>
+        </p:nvSpPr>
+        <p:spPr/>
+        <p:txBody>
+          <a:bodyPr/>
+          <a:lstStyle/>
+          <a:p>
+            <a:fld id="{CDE5A23B-8645-4050-B938-E53584239F9F}" type="slidenum">
+              <a:rPr lang="fr-FR" smtClean="0"/>
+              <a:pPr/>
+              <a:t>4</a:t>
+            </a:fld>
+            <a:endParaRPr lang="fr-FR"/>
+          </a:p>
+        </p:txBody>
+      </p:sp>
+      <p:sp>
+        <p:nvSpPr>
+          <p:cNvPr id="7" name="Espace réservé du pied de page 6"/>
+          <p:cNvSpPr>
+            <a:spLocks noGrp="1"/>
+          </p:cNvSpPr>
+          <p:nvPr>
+            <p:ph type="ftr" sz="quarter" idx="11"/>
+          </p:nvPr>
+        </p:nvSpPr>
+        <p:spPr/>
+        <p:txBody>
+          <a:bodyPr/>
+          <a:lstStyle/>
+          <a:p>
+            <a:r>
+              <a:rPr lang="fr-FR" smtClean="0"/>
+              <a:t>Fabien Belli - Cyril Gorrieri</a:t>
+            </a:r>
+            <a:endParaRPr lang="fr-FR"/>
+          </a:p>
+        </p:txBody>
+      </p:sp>
     </p:spTree>
   </p:cSld>
   <p:clrMapOvr>
@@ -5047,6 +5432,76 @@
           </a:effectLst>
         </p:spPr>
       </p:pic>
+      <p:sp>
+        <p:nvSpPr>
+          <p:cNvPr id="5" name="Espace réservé de la date 4"/>
+          <p:cNvSpPr>
+            <a:spLocks noGrp="1"/>
+          </p:cNvSpPr>
+          <p:nvPr>
+            <p:ph type="dt" sz="half" idx="10"/>
+          </p:nvPr>
+        </p:nvSpPr>
+        <p:spPr/>
+        <p:txBody>
+          <a:bodyPr/>
+          <a:lstStyle/>
+          <a:p>
+            <a:fld id="{973C3B2F-F086-4793-BC0C-CE5E6E60A641}" type="datetime1">
+              <a:rPr lang="fr-FR" smtClean="0"/>
+              <a:t>13/06/2013</a:t>
+            </a:fld>
+            <a:endParaRPr lang="fr-FR"/>
+          </a:p>
+        </p:txBody>
+      </p:sp>
+      <p:sp>
+        <p:nvSpPr>
+          <p:cNvPr id="6" name="Espace réservé du numéro de diapositive 5"/>
+          <p:cNvSpPr>
+            <a:spLocks noGrp="1"/>
+          </p:cNvSpPr>
+          <p:nvPr>
+            <p:ph type="sldNum" sz="quarter" idx="12"/>
+          </p:nvPr>
+        </p:nvSpPr>
+        <p:spPr/>
+        <p:txBody>
+          <a:bodyPr/>
+          <a:lstStyle/>
+          <a:p>
+            <a:fld id="{CDE5A23B-8645-4050-B938-E53584239F9F}" type="slidenum">
+              <a:rPr lang="fr-FR" smtClean="0"/>
+              <a:pPr/>
+              <a:t>5</a:t>
+            </a:fld>
+            <a:endParaRPr lang="fr-FR"/>
+          </a:p>
+        </p:txBody>
+      </p:sp>
+      <p:sp>
+        <p:nvSpPr>
+          <p:cNvPr id="7" name="Espace réservé du pied de page 6"/>
+          <p:cNvSpPr>
+            <a:spLocks noGrp="1"/>
+          </p:cNvSpPr>
+          <p:nvPr>
+            <p:ph type="ftr" sz="quarter" idx="11"/>
+          </p:nvPr>
+        </p:nvSpPr>
+        <p:spPr/>
+        <p:txBody>
+          <a:bodyPr/>
+          <a:lstStyle/>
+          <a:p>
+            <a:r>
+              <a:rPr lang="fr-FR" smtClean="0"/>
+              <a:t>Fabien Belli - Cyril Gorrieri</a:t>
+            </a:r>
+            <a:endParaRPr lang="fr-FR"/>
+          </a:p>
+        </p:txBody>
+      </p:sp>
     </p:spTree>
   </p:cSld>
   <p:clrMapOvr>
@@ -5121,25 +5576,22 @@
           <a:p>
             <a:r>
               <a:rPr lang="fr-FR" dirty="0" smtClean="0"/>
-              <a:t>Connexion </a:t>
-            </a:r>
+              <a:t>Accès privé </a:t>
+            </a:r>
+            <a:endParaRPr lang="fr-FR" dirty="0" smtClean="0"/>
           </a:p>
           <a:p>
             <a:pPr lvl="1"/>
             <a:r>
               <a:rPr lang="fr-FR" dirty="0" smtClean="0"/>
-              <a:t>Visibilité  de tous les albums.</a:t>
+              <a:t>Visibilité des albums de l’utilisateur.</a:t>
             </a:r>
             <a:endParaRPr lang="fr-FR" dirty="0" smtClean="0"/>
           </a:p>
           <a:p>
             <a:r>
               <a:rPr lang="fr-FR" dirty="0" smtClean="0"/>
-              <a:t> Acc</a:t>
-            </a:r>
-            <a:r>
-              <a:rPr lang="fr-FR" dirty="0" smtClean="0"/>
-              <a:t>ès public</a:t>
+              <a:t> Accès public</a:t>
             </a:r>
           </a:p>
           <a:p>
@@ -5170,8 +5622,8 @@
               <a:t>Création / </a:t>
             </a:r>
             <a:r>
-              <a:rPr lang="fr-FR" dirty="0" err="1" smtClean="0"/>
-              <a:t>Séléction</a:t>
+              <a:rPr lang="fr-FR" dirty="0" smtClean="0"/>
+              <a:t>Sélection</a:t>
             </a:r>
             <a:endParaRPr lang="fr-FR" dirty="0" smtClean="0"/>
           </a:p>
@@ -5209,6 +5661,76 @@
           </a:p>
           <a:p>
             <a:endParaRPr lang="fr-FR" dirty="0"/>
+          </a:p>
+        </p:txBody>
+      </p:sp>
+      <p:sp>
+        <p:nvSpPr>
+          <p:cNvPr id="4" name="Espace réservé de la date 3"/>
+          <p:cNvSpPr>
+            <a:spLocks noGrp="1"/>
+          </p:cNvSpPr>
+          <p:nvPr>
+            <p:ph type="dt" sz="half" idx="10"/>
+          </p:nvPr>
+        </p:nvSpPr>
+        <p:spPr/>
+        <p:txBody>
+          <a:bodyPr/>
+          <a:lstStyle/>
+          <a:p>
+            <a:fld id="{DBE6F239-E507-4F6E-8767-3AA3B3A802FF}" type="datetime1">
+              <a:rPr lang="fr-FR" smtClean="0"/>
+              <a:t>13/06/2013</a:t>
+            </a:fld>
+            <a:endParaRPr lang="fr-FR"/>
+          </a:p>
+        </p:txBody>
+      </p:sp>
+      <p:sp>
+        <p:nvSpPr>
+          <p:cNvPr id="5" name="Espace réservé du numéro de diapositive 4"/>
+          <p:cNvSpPr>
+            <a:spLocks noGrp="1"/>
+          </p:cNvSpPr>
+          <p:nvPr>
+            <p:ph type="sldNum" sz="quarter" idx="12"/>
+          </p:nvPr>
+        </p:nvSpPr>
+        <p:spPr/>
+        <p:txBody>
+          <a:bodyPr/>
+          <a:lstStyle/>
+          <a:p>
+            <a:fld id="{CDE5A23B-8645-4050-B938-E53584239F9F}" type="slidenum">
+              <a:rPr lang="fr-FR" smtClean="0"/>
+              <a:pPr/>
+              <a:t>6</a:t>
+            </a:fld>
+            <a:endParaRPr lang="fr-FR"/>
+          </a:p>
+        </p:txBody>
+      </p:sp>
+      <p:sp>
+        <p:nvSpPr>
+          <p:cNvPr id="6" name="Espace réservé du pied de page 5"/>
+          <p:cNvSpPr>
+            <a:spLocks noGrp="1"/>
+          </p:cNvSpPr>
+          <p:nvPr>
+            <p:ph type="ftr" sz="quarter" idx="11"/>
+          </p:nvPr>
+        </p:nvSpPr>
+        <p:spPr/>
+        <p:txBody>
+          <a:bodyPr/>
+          <a:lstStyle/>
+          <a:p>
+            <a:r>
+              <a:rPr lang="fr-FR" smtClean="0"/>
+              <a:t>Fabien Belli - Cyril Gorrieri</a:t>
+            </a:r>
+            <a:endParaRPr lang="fr-FR"/>
           </a:p>
         </p:txBody>
       </p:sp>
@@ -5314,6 +5836,76 @@
           </a:effectLst>
         </p:spPr>
       </p:pic>
+      <p:sp>
+        <p:nvSpPr>
+          <p:cNvPr id="4" name="Espace réservé de la date 3"/>
+          <p:cNvSpPr>
+            <a:spLocks noGrp="1"/>
+          </p:cNvSpPr>
+          <p:nvPr>
+            <p:ph type="dt" sz="half" idx="10"/>
+          </p:nvPr>
+        </p:nvSpPr>
+        <p:spPr/>
+        <p:txBody>
+          <a:bodyPr/>
+          <a:lstStyle/>
+          <a:p>
+            <a:fld id="{7033C18E-62BF-4A03-91BD-27BB0E06E8E2}" type="datetime1">
+              <a:rPr lang="fr-FR" smtClean="0"/>
+              <a:t>13/06/2013</a:t>
+            </a:fld>
+            <a:endParaRPr lang="fr-FR"/>
+          </a:p>
+        </p:txBody>
+      </p:sp>
+      <p:sp>
+        <p:nvSpPr>
+          <p:cNvPr id="5" name="Espace réservé du numéro de diapositive 4"/>
+          <p:cNvSpPr>
+            <a:spLocks noGrp="1"/>
+          </p:cNvSpPr>
+          <p:nvPr>
+            <p:ph type="sldNum" sz="quarter" idx="12"/>
+          </p:nvPr>
+        </p:nvSpPr>
+        <p:spPr/>
+        <p:txBody>
+          <a:bodyPr/>
+          <a:lstStyle/>
+          <a:p>
+            <a:fld id="{CDE5A23B-8645-4050-B938-E53584239F9F}" type="slidenum">
+              <a:rPr lang="fr-FR" smtClean="0"/>
+              <a:pPr/>
+              <a:t>7</a:t>
+            </a:fld>
+            <a:endParaRPr lang="fr-FR"/>
+          </a:p>
+        </p:txBody>
+      </p:sp>
+      <p:sp>
+        <p:nvSpPr>
+          <p:cNvPr id="6" name="Espace réservé du pied de page 5"/>
+          <p:cNvSpPr>
+            <a:spLocks noGrp="1"/>
+          </p:cNvSpPr>
+          <p:nvPr>
+            <p:ph type="ftr" sz="quarter" idx="11"/>
+          </p:nvPr>
+        </p:nvSpPr>
+        <p:spPr/>
+        <p:txBody>
+          <a:bodyPr/>
+          <a:lstStyle/>
+          <a:p>
+            <a:r>
+              <a:rPr lang="fr-FR" smtClean="0"/>
+              <a:t>Fabien Belli - Cyril Gorrieri</a:t>
+            </a:r>
+            <a:endParaRPr lang="fr-FR"/>
+          </a:p>
+        </p:txBody>
+      </p:sp>
     </p:spTree>
   </p:cSld>
   <p:clrMapOvr>
@@ -5437,6 +6029,76 @@
           </a:effectLst>
         </p:spPr>
       </p:pic>
+      <p:sp>
+        <p:nvSpPr>
+          <p:cNvPr id="5" name="Espace réservé de la date 4"/>
+          <p:cNvSpPr>
+            <a:spLocks noGrp="1"/>
+          </p:cNvSpPr>
+          <p:nvPr>
+            <p:ph type="dt" sz="half" idx="10"/>
+          </p:nvPr>
+        </p:nvSpPr>
+        <p:spPr/>
+        <p:txBody>
+          <a:bodyPr/>
+          <a:lstStyle/>
+          <a:p>
+            <a:fld id="{0B26EED7-F540-454D-9D9F-94915597EA97}" type="datetime1">
+              <a:rPr lang="fr-FR" smtClean="0"/>
+              <a:t>13/06/2013</a:t>
+            </a:fld>
+            <a:endParaRPr lang="fr-FR"/>
+          </a:p>
+        </p:txBody>
+      </p:sp>
+      <p:sp>
+        <p:nvSpPr>
+          <p:cNvPr id="6" name="Espace réservé du numéro de diapositive 5"/>
+          <p:cNvSpPr>
+            <a:spLocks noGrp="1"/>
+          </p:cNvSpPr>
+          <p:nvPr>
+            <p:ph type="sldNum" sz="quarter" idx="12"/>
+          </p:nvPr>
+        </p:nvSpPr>
+        <p:spPr/>
+        <p:txBody>
+          <a:bodyPr/>
+          <a:lstStyle/>
+          <a:p>
+            <a:fld id="{CDE5A23B-8645-4050-B938-E53584239F9F}" type="slidenum">
+              <a:rPr lang="fr-FR" smtClean="0"/>
+              <a:pPr/>
+              <a:t>8</a:t>
+            </a:fld>
+            <a:endParaRPr lang="fr-FR"/>
+          </a:p>
+        </p:txBody>
+      </p:sp>
+      <p:sp>
+        <p:nvSpPr>
+          <p:cNvPr id="7" name="Espace réservé du pied de page 6"/>
+          <p:cNvSpPr>
+            <a:spLocks noGrp="1"/>
+          </p:cNvSpPr>
+          <p:nvPr>
+            <p:ph type="ftr" sz="quarter" idx="11"/>
+          </p:nvPr>
+        </p:nvSpPr>
+        <p:spPr/>
+        <p:txBody>
+          <a:bodyPr/>
+          <a:lstStyle/>
+          <a:p>
+            <a:r>
+              <a:rPr lang="fr-FR" smtClean="0"/>
+              <a:t>Fabien Belli - Cyril Gorrieri</a:t>
+            </a:r>
+            <a:endParaRPr lang="fr-FR"/>
+          </a:p>
+        </p:txBody>
+      </p:sp>
     </p:spTree>
   </p:cSld>
   <p:clrMapOvr>
@@ -5583,6 +6245,76 @@
               <a:t>converter</a:t>
             </a:r>
             <a:endParaRPr lang="fr-FR" dirty="0"/>
+          </a:p>
+        </p:txBody>
+      </p:sp>
+      <p:sp>
+        <p:nvSpPr>
+          <p:cNvPr id="4" name="Espace réservé de la date 3"/>
+          <p:cNvSpPr>
+            <a:spLocks noGrp="1"/>
+          </p:cNvSpPr>
+          <p:nvPr>
+            <p:ph type="dt" sz="half" idx="10"/>
+          </p:nvPr>
+        </p:nvSpPr>
+        <p:spPr/>
+        <p:txBody>
+          <a:bodyPr/>
+          <a:lstStyle/>
+          <a:p>
+            <a:fld id="{A1875CE1-4CF2-4244-BADF-48BF46166600}" type="datetime1">
+              <a:rPr lang="fr-FR" smtClean="0"/>
+              <a:t>13/06/2013</a:t>
+            </a:fld>
+            <a:endParaRPr lang="fr-FR"/>
+          </a:p>
+        </p:txBody>
+      </p:sp>
+      <p:sp>
+        <p:nvSpPr>
+          <p:cNvPr id="5" name="Espace réservé du numéro de diapositive 4"/>
+          <p:cNvSpPr>
+            <a:spLocks noGrp="1"/>
+          </p:cNvSpPr>
+          <p:nvPr>
+            <p:ph type="sldNum" sz="quarter" idx="12"/>
+          </p:nvPr>
+        </p:nvSpPr>
+        <p:spPr/>
+        <p:txBody>
+          <a:bodyPr/>
+          <a:lstStyle/>
+          <a:p>
+            <a:fld id="{CDE5A23B-8645-4050-B938-E53584239F9F}" type="slidenum">
+              <a:rPr lang="fr-FR" smtClean="0"/>
+              <a:pPr/>
+              <a:t>9</a:t>
+            </a:fld>
+            <a:endParaRPr lang="fr-FR"/>
+          </a:p>
+        </p:txBody>
+      </p:sp>
+      <p:sp>
+        <p:nvSpPr>
+          <p:cNvPr id="6" name="Espace réservé du pied de page 5"/>
+          <p:cNvSpPr>
+            <a:spLocks noGrp="1"/>
+          </p:cNvSpPr>
+          <p:nvPr>
+            <p:ph type="ftr" sz="quarter" idx="11"/>
+          </p:nvPr>
+        </p:nvSpPr>
+        <p:spPr/>
+        <p:txBody>
+          <a:bodyPr/>
+          <a:lstStyle/>
+          <a:p>
+            <a:r>
+              <a:rPr lang="fr-FR" smtClean="0"/>
+              <a:t>Fabien Belli - Cyril Gorrieri</a:t>
+            </a:r>
+            <a:endParaRPr lang="fr-FR"/>
           </a:p>
         </p:txBody>
       </p:sp>
